--- a/slides/slides_lulc_ml.pptx
+++ b/slides/slides_lulc_ml.pptx
@@ -27,6 +27,7 @@
     <p:sldId id="271" r:id="rId21"/>
     <p:sldId id="277" r:id="rId22"/>
     <p:sldId id="284" r:id="rId23"/>
+    <p:sldId id="285" r:id="rId24"/>
   </p:sldIdLst>
   <p:sldSz cx="12192000" cy="6858000"/>
   <p:notesSz cx="6858000" cy="9144000"/>
@@ -125,6 +126,11 @@
       </a:defRPr>
     </a:lvl9pPr>
   </p:defaultTextStyle>
+  <p:extLst>
+    <p:ext uri="{EFAFB233-063F-42B5-8137-9DF3F51BA10A}">
+      <p15:sldGuideLst xmlns:p15="http://schemas.microsoft.com/office/powerpoint/2012/main"/>
+    </p:ext>
+  </p:extLst>
 </p:presentation>
 </file>
 
@@ -277,7 +283,7 @@
           <a:p>
             <a:fld id="{DA7F9FD5-B1F9-40AC-94BE-057AF3414BD9}" type="datetimeFigureOut">
               <a:rPr lang="en-US" smtClean="0"/>
-              <a:t>9/18/2020</a:t>
+              <a:t>9/20/2020</a:t>
             </a:fld>
             <a:endParaRPr lang="en-US"/>
           </a:p>
@@ -477,7 +483,7 @@
           <a:p>
             <a:fld id="{DA7F9FD5-B1F9-40AC-94BE-057AF3414BD9}" type="datetimeFigureOut">
               <a:rPr lang="en-US" smtClean="0"/>
-              <a:t>9/18/2020</a:t>
+              <a:t>9/20/2020</a:t>
             </a:fld>
             <a:endParaRPr lang="en-US"/>
           </a:p>
@@ -687,7 +693,7 @@
           <a:p>
             <a:fld id="{DA7F9FD5-B1F9-40AC-94BE-057AF3414BD9}" type="datetimeFigureOut">
               <a:rPr lang="en-US" smtClean="0"/>
-              <a:t>9/18/2020</a:t>
+              <a:t>9/20/2020</a:t>
             </a:fld>
             <a:endParaRPr lang="en-US"/>
           </a:p>
@@ -887,7 +893,7 @@
           <a:p>
             <a:fld id="{DA7F9FD5-B1F9-40AC-94BE-057AF3414BD9}" type="datetimeFigureOut">
               <a:rPr lang="en-US" smtClean="0"/>
-              <a:t>9/18/2020</a:t>
+              <a:t>9/20/2020</a:t>
             </a:fld>
             <a:endParaRPr lang="en-US"/>
           </a:p>
@@ -1163,7 +1169,7 @@
           <a:p>
             <a:fld id="{DA7F9FD5-B1F9-40AC-94BE-057AF3414BD9}" type="datetimeFigureOut">
               <a:rPr lang="en-US" smtClean="0"/>
-              <a:t>9/18/2020</a:t>
+              <a:t>9/20/2020</a:t>
             </a:fld>
             <a:endParaRPr lang="en-US"/>
           </a:p>
@@ -1431,7 +1437,7 @@
           <a:p>
             <a:fld id="{DA7F9FD5-B1F9-40AC-94BE-057AF3414BD9}" type="datetimeFigureOut">
               <a:rPr lang="en-US" smtClean="0"/>
-              <a:t>9/18/2020</a:t>
+              <a:t>9/20/2020</a:t>
             </a:fld>
             <a:endParaRPr lang="en-US"/>
           </a:p>
@@ -1846,7 +1852,7 @@
           <a:p>
             <a:fld id="{DA7F9FD5-B1F9-40AC-94BE-057AF3414BD9}" type="datetimeFigureOut">
               <a:rPr lang="en-US" smtClean="0"/>
-              <a:t>9/18/2020</a:t>
+              <a:t>9/20/2020</a:t>
             </a:fld>
             <a:endParaRPr lang="en-US"/>
           </a:p>
@@ -1988,7 +1994,7 @@
           <a:p>
             <a:fld id="{DA7F9FD5-B1F9-40AC-94BE-057AF3414BD9}" type="datetimeFigureOut">
               <a:rPr lang="en-US" smtClean="0"/>
-              <a:t>9/18/2020</a:t>
+              <a:t>9/20/2020</a:t>
             </a:fld>
             <a:endParaRPr lang="en-US"/>
           </a:p>
@@ -2101,7 +2107,7 @@
           <a:p>
             <a:fld id="{DA7F9FD5-B1F9-40AC-94BE-057AF3414BD9}" type="datetimeFigureOut">
               <a:rPr lang="en-US" smtClean="0"/>
-              <a:t>9/18/2020</a:t>
+              <a:t>9/20/2020</a:t>
             </a:fld>
             <a:endParaRPr lang="en-US"/>
           </a:p>
@@ -2414,7 +2420,7 @@
           <a:p>
             <a:fld id="{DA7F9FD5-B1F9-40AC-94BE-057AF3414BD9}" type="datetimeFigureOut">
               <a:rPr lang="en-US" smtClean="0"/>
-              <a:t>9/18/2020</a:t>
+              <a:t>9/20/2020</a:t>
             </a:fld>
             <a:endParaRPr lang="en-US"/>
           </a:p>
@@ -2703,7 +2709,7 @@
           <a:p>
             <a:fld id="{DA7F9FD5-B1F9-40AC-94BE-057AF3414BD9}" type="datetimeFigureOut">
               <a:rPr lang="en-US" smtClean="0"/>
-              <a:t>9/18/2020</a:t>
+              <a:t>9/20/2020</a:t>
             </a:fld>
             <a:endParaRPr lang="en-US"/>
           </a:p>
@@ -2946,7 +2952,7 @@
           <a:p>
             <a:fld id="{DA7F9FD5-B1F9-40AC-94BE-057AF3414BD9}" type="datetimeFigureOut">
               <a:rPr lang="en-US" smtClean="0"/>
-              <a:t>9/18/2020</a:t>
+              <a:t>9/20/2020</a:t>
             </a:fld>
             <a:endParaRPr lang="en-US"/>
           </a:p>
@@ -7773,6 +7779,413 @@
 </p:sld>
 </file>
 
+<file path=ppt/slides/slide23.xml><?xml version="1.0" encoding="utf-8"?>
+<p:sld xmlns:a="http://schemas.openxmlformats.org/drawingml/2006/main" xmlns:r="http://schemas.openxmlformats.org/officeDocument/2006/relationships" xmlns:p="http://schemas.openxmlformats.org/presentationml/2006/main">
+  <p:cSld>
+    <p:spTree>
+      <p:nvGrpSpPr>
+        <p:cNvPr id="1" name=""/>
+        <p:cNvGrpSpPr/>
+        <p:nvPr/>
+      </p:nvGrpSpPr>
+      <p:grpSpPr>
+        <a:xfrm>
+          <a:off x="0" y="0"/>
+          <a:ext cx="0" cy="0"/>
+          <a:chOff x="0" y="0"/>
+          <a:chExt cx="0" cy="0"/>
+        </a:xfrm>
+      </p:grpSpPr>
+      <p:pic>
+        <p:nvPicPr>
+          <p:cNvPr id="5" name="Imagem 4">
+            <a:extLst>
+              <a:ext uri="{FF2B5EF4-FFF2-40B4-BE49-F238E27FC236}">
+                <a16:creationId xmlns:a16="http://schemas.microsoft.com/office/drawing/2014/main" id="{07C0D9B8-8C71-4584-9633-5100F6807217}"/>
+              </a:ext>
+            </a:extLst>
+          </p:cNvPr>
+          <p:cNvPicPr>
+            <a:picLocks noChangeAspect="1"/>
+          </p:cNvPicPr>
+          <p:nvPr/>
+        </p:nvPicPr>
+        <p:blipFill>
+          <a:blip r:embed="rId2">
+            <a:extLst>
+              <a:ext uri="{28A0092B-C50C-407E-A947-70E740481C1C}">
+                <a14:useLocalDpi xmlns:a14="http://schemas.microsoft.com/office/drawing/2010/main" val="0"/>
+              </a:ext>
+            </a:extLst>
+          </a:blip>
+          <a:stretch>
+            <a:fillRect/>
+          </a:stretch>
+        </p:blipFill>
+        <p:spPr>
+          <a:xfrm>
+            <a:off x="471036" y="5804034"/>
+            <a:ext cx="1276789" cy="653716"/>
+          </a:xfrm>
+          <a:prstGeom prst="rect">
+            <a:avLst/>
+          </a:prstGeom>
+        </p:spPr>
+      </p:pic>
+      <p:cxnSp>
+        <p:nvCxnSpPr>
+          <p:cNvPr id="7" name="Conector reto 6">
+            <a:extLst>
+              <a:ext uri="{FF2B5EF4-FFF2-40B4-BE49-F238E27FC236}">
+                <a16:creationId xmlns:a16="http://schemas.microsoft.com/office/drawing/2014/main" id="{FAF16755-C981-4A21-84FE-661C5C4DF2B9}"/>
+              </a:ext>
+            </a:extLst>
+          </p:cNvPr>
+          <p:cNvCxnSpPr>
+            <a:cxnSpLocks/>
+          </p:cNvCxnSpPr>
+          <p:nvPr/>
+        </p:nvCxnSpPr>
+        <p:spPr>
+          <a:xfrm>
+            <a:off x="585537" y="356135"/>
+            <a:ext cx="11020926" cy="0"/>
+          </a:xfrm>
+          <a:prstGeom prst="line">
+            <a:avLst/>
+          </a:prstGeom>
+        </p:spPr>
+        <p:style>
+          <a:lnRef idx="1">
+            <a:schemeClr val="accent1"/>
+          </a:lnRef>
+          <a:fillRef idx="0">
+            <a:schemeClr val="accent1"/>
+          </a:fillRef>
+          <a:effectRef idx="0">
+            <a:schemeClr val="accent1"/>
+          </a:effectRef>
+          <a:fontRef idx="minor">
+            <a:schemeClr val="tx1"/>
+          </a:fontRef>
+        </p:style>
+      </p:cxnSp>
+      <p:cxnSp>
+        <p:nvCxnSpPr>
+          <p:cNvPr id="9" name="Conector reto 8">
+            <a:extLst>
+              <a:ext uri="{FF2B5EF4-FFF2-40B4-BE49-F238E27FC236}">
+                <a16:creationId xmlns:a16="http://schemas.microsoft.com/office/drawing/2014/main" id="{D9CA1827-63E9-4D3E-A804-C0C6CAEA1F25}"/>
+              </a:ext>
+            </a:extLst>
+          </p:cNvPr>
+          <p:cNvCxnSpPr>
+            <a:cxnSpLocks/>
+          </p:cNvCxnSpPr>
+          <p:nvPr/>
+        </p:nvCxnSpPr>
+        <p:spPr>
+          <a:xfrm>
+            <a:off x="603183" y="1037924"/>
+            <a:ext cx="11020926" cy="0"/>
+          </a:xfrm>
+          <a:prstGeom prst="line">
+            <a:avLst/>
+          </a:prstGeom>
+        </p:spPr>
+        <p:style>
+          <a:lnRef idx="1">
+            <a:schemeClr val="accent1"/>
+          </a:lnRef>
+          <a:fillRef idx="0">
+            <a:schemeClr val="accent1"/>
+          </a:fillRef>
+          <a:effectRef idx="0">
+            <a:schemeClr val="accent1"/>
+          </a:effectRef>
+          <a:fontRef idx="minor">
+            <a:schemeClr val="tx1"/>
+          </a:fontRef>
+        </p:style>
+      </p:cxnSp>
+      <p:sp>
+        <p:nvSpPr>
+          <p:cNvPr id="6" name="CaixaDeTexto 5">
+            <a:extLst>
+              <a:ext uri="{FF2B5EF4-FFF2-40B4-BE49-F238E27FC236}">
+                <a16:creationId xmlns:a16="http://schemas.microsoft.com/office/drawing/2014/main" id="{7B9058FB-E704-446D-A8CB-160A1DC0C84C}"/>
+              </a:ext>
+            </a:extLst>
+          </p:cNvPr>
+          <p:cNvSpPr txBox="1"/>
+          <p:nvPr/>
+        </p:nvSpPr>
+        <p:spPr>
+          <a:xfrm>
+            <a:off x="594360" y="461857"/>
+            <a:ext cx="11003280" cy="461665"/>
+          </a:xfrm>
+          <a:prstGeom prst="rect">
+            <a:avLst/>
+          </a:prstGeom>
+          <a:noFill/>
+        </p:spPr>
+        <p:txBody>
+          <a:bodyPr wrap="square">
+            <a:spAutoFit/>
+          </a:bodyPr>
+          <a:lstStyle/>
+          <a:p>
+            <a:pPr algn="ctr"/>
+            <a:r>
+              <a:rPr lang="en-US" sz="2400" dirty="0">
+                <a:solidFill>
+                  <a:schemeClr val="accent1">
+                    <a:lumMod val="75000"/>
+                  </a:schemeClr>
+                </a:solidFill>
+              </a:rPr>
+              <a:t>Extra material</a:t>
+            </a:r>
+          </a:p>
+        </p:txBody>
+      </p:sp>
+      <p:sp>
+        <p:nvSpPr>
+          <p:cNvPr id="20" name="CaixaDeTexto 19">
+            <a:extLst>
+              <a:ext uri="{FF2B5EF4-FFF2-40B4-BE49-F238E27FC236}">
+                <a16:creationId xmlns:a16="http://schemas.microsoft.com/office/drawing/2014/main" id="{0762870D-10AA-4165-BBC4-6F90CDE1108B}"/>
+              </a:ext>
+            </a:extLst>
+          </p:cNvPr>
+          <p:cNvSpPr txBox="1"/>
+          <p:nvPr/>
+        </p:nvSpPr>
+        <p:spPr>
+          <a:xfrm>
+            <a:off x="5398976" y="1373755"/>
+            <a:ext cx="6097604" cy="369332"/>
+          </a:xfrm>
+          <a:prstGeom prst="rect">
+            <a:avLst/>
+          </a:prstGeom>
+          <a:noFill/>
+        </p:spPr>
+        <p:txBody>
+          <a:bodyPr wrap="square">
+            <a:spAutoFit/>
+          </a:bodyPr>
+          <a:lstStyle/>
+          <a:p>
+            <a:r>
+              <a:rPr lang="en-US" dirty="0"/>
+              <a:t>MLR documentation:</a:t>
+            </a:r>
+          </a:p>
+        </p:txBody>
+      </p:sp>
+      <p:sp>
+        <p:nvSpPr>
+          <p:cNvPr id="22" name="CaixaDeTexto 21">
+            <a:extLst>
+              <a:ext uri="{FF2B5EF4-FFF2-40B4-BE49-F238E27FC236}">
+                <a16:creationId xmlns:a16="http://schemas.microsoft.com/office/drawing/2014/main" id="{6E1AEB02-1CED-4E31-BF9E-122A635521EF}"/>
+              </a:ext>
+            </a:extLst>
+          </p:cNvPr>
+          <p:cNvSpPr txBox="1"/>
+          <p:nvPr/>
+        </p:nvSpPr>
+        <p:spPr>
+          <a:xfrm>
+            <a:off x="5398976" y="1719713"/>
+            <a:ext cx="6097604" cy="369332"/>
+          </a:xfrm>
+          <a:prstGeom prst="rect">
+            <a:avLst/>
+          </a:prstGeom>
+          <a:noFill/>
+        </p:spPr>
+        <p:txBody>
+          <a:bodyPr wrap="square">
+            <a:spAutoFit/>
+          </a:bodyPr>
+          <a:lstStyle/>
+          <a:p>
+            <a:r>
+              <a:rPr lang="en-US" dirty="0"/>
+              <a:t>https://arxiv.org/pdf/1609.06146.pdf</a:t>
+            </a:r>
+          </a:p>
+        </p:txBody>
+      </p:sp>
+      <p:sp>
+        <p:nvSpPr>
+          <p:cNvPr id="2" name="CaixaDeTexto 1">
+            <a:extLst>
+              <a:ext uri="{FF2B5EF4-FFF2-40B4-BE49-F238E27FC236}">
+                <a16:creationId xmlns:a16="http://schemas.microsoft.com/office/drawing/2014/main" id="{4C47962A-F2E1-477F-9E24-9C7835E1D5F1}"/>
+              </a:ext>
+            </a:extLst>
+          </p:cNvPr>
+          <p:cNvSpPr txBox="1"/>
+          <p:nvPr/>
+        </p:nvSpPr>
+        <p:spPr>
+          <a:xfrm>
+            <a:off x="5398976" y="2526087"/>
+            <a:ext cx="6097604" cy="369332"/>
+          </a:xfrm>
+          <a:prstGeom prst="rect">
+            <a:avLst/>
+          </a:prstGeom>
+          <a:noFill/>
+        </p:spPr>
+        <p:txBody>
+          <a:bodyPr wrap="square">
+            <a:spAutoFit/>
+          </a:bodyPr>
+          <a:lstStyle/>
+          <a:p>
+            <a:r>
+              <a:rPr lang="en-US" dirty="0"/>
+              <a:t>MLR3 documentation:</a:t>
+            </a:r>
+          </a:p>
+        </p:txBody>
+      </p:sp>
+      <p:sp>
+        <p:nvSpPr>
+          <p:cNvPr id="3" name="CaixaDeTexto 2">
+            <a:extLst>
+              <a:ext uri="{FF2B5EF4-FFF2-40B4-BE49-F238E27FC236}">
+                <a16:creationId xmlns:a16="http://schemas.microsoft.com/office/drawing/2014/main" id="{7F8E5D12-E76D-4BFD-9BC2-F057DE590F92}"/>
+              </a:ext>
+            </a:extLst>
+          </p:cNvPr>
+          <p:cNvSpPr txBox="1"/>
+          <p:nvPr/>
+        </p:nvSpPr>
+        <p:spPr>
+          <a:xfrm>
+            <a:off x="5398976" y="2864758"/>
+            <a:ext cx="6097604" cy="369332"/>
+          </a:xfrm>
+          <a:prstGeom prst="rect">
+            <a:avLst/>
+          </a:prstGeom>
+          <a:noFill/>
+        </p:spPr>
+        <p:txBody>
+          <a:bodyPr wrap="square">
+            <a:spAutoFit/>
+          </a:bodyPr>
+          <a:lstStyle/>
+          <a:p>
+            <a:r>
+              <a:rPr lang="en-US" dirty="0"/>
+              <a:t>https://mlr3book.mlr-org.com/</a:t>
+            </a:r>
+          </a:p>
+        </p:txBody>
+      </p:sp>
+      <p:sp>
+        <p:nvSpPr>
+          <p:cNvPr id="8" name="CaixaDeTexto 7">
+            <a:extLst>
+              <a:ext uri="{FF2B5EF4-FFF2-40B4-BE49-F238E27FC236}">
+                <a16:creationId xmlns:a16="http://schemas.microsoft.com/office/drawing/2014/main" id="{F02AA88E-D701-4314-A63C-F9F5434E0C1B}"/>
+              </a:ext>
+            </a:extLst>
+          </p:cNvPr>
+          <p:cNvSpPr txBox="1"/>
+          <p:nvPr/>
+        </p:nvSpPr>
+        <p:spPr>
+          <a:xfrm>
+            <a:off x="5398976" y="3613668"/>
+            <a:ext cx="6097604" cy="369332"/>
+          </a:xfrm>
+          <a:prstGeom prst="rect">
+            <a:avLst/>
+          </a:prstGeom>
+          <a:noFill/>
+        </p:spPr>
+        <p:txBody>
+          <a:bodyPr wrap="square">
+            <a:spAutoFit/>
+          </a:bodyPr>
+          <a:lstStyle/>
+          <a:p>
+            <a:r>
+              <a:rPr lang="en-US" dirty="0" err="1"/>
+              <a:t>Tidymodels</a:t>
+            </a:r>
+            <a:r>
+              <a:rPr lang="en-US" dirty="0"/>
+              <a:t>:</a:t>
+            </a:r>
+          </a:p>
+        </p:txBody>
+      </p:sp>
+      <p:sp>
+        <p:nvSpPr>
+          <p:cNvPr id="11" name="CaixaDeTexto 10">
+            <a:extLst>
+              <a:ext uri="{FF2B5EF4-FFF2-40B4-BE49-F238E27FC236}">
+                <a16:creationId xmlns:a16="http://schemas.microsoft.com/office/drawing/2014/main" id="{E1BA7695-3DE8-4DA6-A957-A804DF9527EF}"/>
+              </a:ext>
+            </a:extLst>
+          </p:cNvPr>
+          <p:cNvSpPr txBox="1"/>
+          <p:nvPr/>
+        </p:nvSpPr>
+        <p:spPr>
+          <a:xfrm>
+            <a:off x="5398976" y="3952339"/>
+            <a:ext cx="6097604" cy="646331"/>
+          </a:xfrm>
+          <a:prstGeom prst="rect">
+            <a:avLst/>
+          </a:prstGeom>
+          <a:noFill/>
+        </p:spPr>
+        <p:txBody>
+          <a:bodyPr wrap="square">
+            <a:spAutoFit/>
+          </a:bodyPr>
+          <a:lstStyle/>
+          <a:p>
+            <a:r>
+              <a:rPr lang="en-US" dirty="0">
+                <a:hlinkClick r:id="rId3"/>
+              </a:rPr>
+              <a:t>https://www.tidymodels.org/</a:t>
+            </a:r>
+            <a:endParaRPr lang="en-US" dirty="0"/>
+          </a:p>
+          <a:p>
+            <a:r>
+              <a:rPr lang="en-US" dirty="0"/>
+              <a:t>https://www.tmwr.org/</a:t>
+            </a:r>
+          </a:p>
+        </p:txBody>
+      </p:sp>
+    </p:spTree>
+    <p:extLst>
+      <p:ext uri="{BB962C8B-B14F-4D97-AF65-F5344CB8AC3E}">
+        <p14:creationId xmlns:p14="http://schemas.microsoft.com/office/powerpoint/2010/main" val="2107194744"/>
+      </p:ext>
+    </p:extLst>
+  </p:cSld>
+  <p:clrMapOvr>
+    <a:masterClrMapping/>
+  </p:clrMapOvr>
+</p:sld>
+</file>
+
 <file path=ppt/slides/slide3.xml><?xml version="1.0" encoding="utf-8"?>
 <p:sld xmlns:a="http://schemas.openxmlformats.org/drawingml/2006/main" xmlns:r="http://schemas.openxmlformats.org/officeDocument/2006/relationships" xmlns:p="http://schemas.openxmlformats.org/presentationml/2006/main">
   <p:cSld>

--- a/slides/slides_lulc_ml.pptx
+++ b/slides/slides_lulc_ml.pptx
@@ -283,7 +283,7 @@
           <a:p>
             <a:fld id="{DA7F9FD5-B1F9-40AC-94BE-057AF3414BD9}" type="datetimeFigureOut">
               <a:rPr lang="en-US" smtClean="0"/>
-              <a:t>9/20/2020</a:t>
+              <a:t>9/21/2020</a:t>
             </a:fld>
             <a:endParaRPr lang="en-US"/>
           </a:p>
@@ -483,7 +483,7 @@
           <a:p>
             <a:fld id="{DA7F9FD5-B1F9-40AC-94BE-057AF3414BD9}" type="datetimeFigureOut">
               <a:rPr lang="en-US" smtClean="0"/>
-              <a:t>9/20/2020</a:t>
+              <a:t>9/21/2020</a:t>
             </a:fld>
             <a:endParaRPr lang="en-US"/>
           </a:p>
@@ -693,7 +693,7 @@
           <a:p>
             <a:fld id="{DA7F9FD5-B1F9-40AC-94BE-057AF3414BD9}" type="datetimeFigureOut">
               <a:rPr lang="en-US" smtClean="0"/>
-              <a:t>9/20/2020</a:t>
+              <a:t>9/21/2020</a:t>
             </a:fld>
             <a:endParaRPr lang="en-US"/>
           </a:p>
@@ -893,7 +893,7 @@
           <a:p>
             <a:fld id="{DA7F9FD5-B1F9-40AC-94BE-057AF3414BD9}" type="datetimeFigureOut">
               <a:rPr lang="en-US" smtClean="0"/>
-              <a:t>9/20/2020</a:t>
+              <a:t>9/21/2020</a:t>
             </a:fld>
             <a:endParaRPr lang="en-US"/>
           </a:p>
@@ -1169,7 +1169,7 @@
           <a:p>
             <a:fld id="{DA7F9FD5-B1F9-40AC-94BE-057AF3414BD9}" type="datetimeFigureOut">
               <a:rPr lang="en-US" smtClean="0"/>
-              <a:t>9/20/2020</a:t>
+              <a:t>9/21/2020</a:t>
             </a:fld>
             <a:endParaRPr lang="en-US"/>
           </a:p>
@@ -1437,7 +1437,7 @@
           <a:p>
             <a:fld id="{DA7F9FD5-B1F9-40AC-94BE-057AF3414BD9}" type="datetimeFigureOut">
               <a:rPr lang="en-US" smtClean="0"/>
-              <a:t>9/20/2020</a:t>
+              <a:t>9/21/2020</a:t>
             </a:fld>
             <a:endParaRPr lang="en-US"/>
           </a:p>
@@ -1852,7 +1852,7 @@
           <a:p>
             <a:fld id="{DA7F9FD5-B1F9-40AC-94BE-057AF3414BD9}" type="datetimeFigureOut">
               <a:rPr lang="en-US" smtClean="0"/>
-              <a:t>9/20/2020</a:t>
+              <a:t>9/21/2020</a:t>
             </a:fld>
             <a:endParaRPr lang="en-US"/>
           </a:p>
@@ -1994,7 +1994,7 @@
           <a:p>
             <a:fld id="{DA7F9FD5-B1F9-40AC-94BE-057AF3414BD9}" type="datetimeFigureOut">
               <a:rPr lang="en-US" smtClean="0"/>
-              <a:t>9/20/2020</a:t>
+              <a:t>9/21/2020</a:t>
             </a:fld>
             <a:endParaRPr lang="en-US"/>
           </a:p>
@@ -2107,7 +2107,7 @@
           <a:p>
             <a:fld id="{DA7F9FD5-B1F9-40AC-94BE-057AF3414BD9}" type="datetimeFigureOut">
               <a:rPr lang="en-US" smtClean="0"/>
-              <a:t>9/20/2020</a:t>
+              <a:t>9/21/2020</a:t>
             </a:fld>
             <a:endParaRPr lang="en-US"/>
           </a:p>
@@ -2420,7 +2420,7 @@
           <a:p>
             <a:fld id="{DA7F9FD5-B1F9-40AC-94BE-057AF3414BD9}" type="datetimeFigureOut">
               <a:rPr lang="en-US" smtClean="0"/>
-              <a:t>9/20/2020</a:t>
+              <a:t>9/21/2020</a:t>
             </a:fld>
             <a:endParaRPr lang="en-US"/>
           </a:p>
@@ -2709,7 +2709,7 @@
           <a:p>
             <a:fld id="{DA7F9FD5-B1F9-40AC-94BE-057AF3414BD9}" type="datetimeFigureOut">
               <a:rPr lang="en-US" smtClean="0"/>
-              <a:t>9/20/2020</a:t>
+              <a:t>9/21/2020</a:t>
             </a:fld>
             <a:endParaRPr lang="en-US"/>
           </a:p>
@@ -2952,7 +2952,7 @@
           <a:p>
             <a:fld id="{DA7F9FD5-B1F9-40AC-94BE-057AF3414BD9}" type="datetimeFigureOut">
               <a:rPr lang="en-US" smtClean="0"/>
-              <a:t>9/20/2020</a:t>
+              <a:t>9/21/2020</a:t>
             </a:fld>
             <a:endParaRPr lang="en-US"/>
           </a:p>
@@ -7964,7 +7964,7 @@
         </p:nvSpPr>
         <p:spPr>
           <a:xfrm>
-            <a:off x="5398976" y="1373755"/>
+            <a:off x="4763709" y="2086024"/>
             <a:ext cx="6097604" cy="369332"/>
           </a:xfrm>
           <a:prstGeom prst="rect">
@@ -7999,7 +7999,7 @@
         </p:nvSpPr>
         <p:spPr>
           <a:xfrm>
-            <a:off x="5398976" y="1719713"/>
+            <a:off x="4763709" y="2431982"/>
             <a:ext cx="6097604" cy="369332"/>
           </a:xfrm>
           <a:prstGeom prst="rect">
@@ -8034,7 +8034,7 @@
         </p:nvSpPr>
         <p:spPr>
           <a:xfrm>
-            <a:off x="5398976" y="2526087"/>
+            <a:off x="4763709" y="3238356"/>
             <a:ext cx="6097604" cy="369332"/>
           </a:xfrm>
           <a:prstGeom prst="rect">
@@ -8069,7 +8069,7 @@
         </p:nvSpPr>
         <p:spPr>
           <a:xfrm>
-            <a:off x="5398976" y="2864758"/>
+            <a:off x="4763709" y="3577027"/>
             <a:ext cx="6097604" cy="369332"/>
           </a:xfrm>
           <a:prstGeom prst="rect">
@@ -8104,7 +8104,7 @@
         </p:nvSpPr>
         <p:spPr>
           <a:xfrm>
-            <a:off x="5398976" y="3613668"/>
+            <a:off x="4763709" y="4325937"/>
             <a:ext cx="6097604" cy="369332"/>
           </a:xfrm>
           <a:prstGeom prst="rect">
@@ -8143,7 +8143,7 @@
         </p:nvSpPr>
         <p:spPr>
           <a:xfrm>
-            <a:off x="5398976" y="3952339"/>
+            <a:off x="4763709" y="4664608"/>
             <a:ext cx="6097604" cy="646331"/>
           </a:xfrm>
           <a:prstGeom prst="rect">
